--- a/2025-09-13/Identifying Patterns of Employee Performance.pptx
+++ b/2025-09-13/Identifying Patterns of Employee Performance.pptx
@@ -8064,7 +8064,15 @@
         <a:p>
           <a:r>
             <a:rPr lang="en-CA" dirty="0"/>
-            <a:t>Test the model using training and test data </a:t>
+            <a:t>Test the model using training </a:t>
+          </a:r>
+          <a:r>
+            <a:rPr lang="en-CA"/>
+            <a:t>and testing </a:t>
+          </a:r>
+          <a:r>
+            <a:rPr lang="en-CA" dirty="0"/>
+            <a:t>data </a:t>
           </a:r>
           <a:endParaRPr lang="en-US" dirty="0"/>
         </a:p>
@@ -8746,7 +8754,15 @@
           </a:pPr>
           <a:r>
             <a:rPr lang="en-CA" sz="4000" kern="1200" dirty="0"/>
-            <a:t>Test the model using training and test data </a:t>
+            <a:t>Test the model using training </a:t>
+          </a:r>
+          <a:r>
+            <a:rPr lang="en-CA" sz="4000" kern="1200"/>
+            <a:t>and testing </a:t>
+          </a:r>
+          <a:r>
+            <a:rPr lang="en-CA" sz="4000" kern="1200" dirty="0"/>
+            <a:t>data </a:t>
           </a:r>
           <a:endParaRPr lang="en-US" sz="4000" kern="1200" dirty="0"/>
         </a:p>
@@ -17785,7 +17801,10 @@
           <a:bodyPr/>
           <a:lstStyle/>
           <a:p>
-            <a:endParaRPr lang="en-CA" dirty="0"/>
+            <a:r>
+              <a:rPr lang="en-CA" b="1" dirty="0"/>
+              <a:t>Identifying Patterns of Employee Performance</a:t>
+            </a:r>
           </a:p>
         </p:txBody>
       </p:sp>
@@ -17810,7 +17829,16 @@
           <a:bodyPr/>
           <a:lstStyle/>
           <a:p>
-            <a:endParaRPr lang="en-CA"/>
+            <a:r>
+              <a:rPr lang="en-CA" dirty="0"/>
+              <a:t>2025-09-13 EDA project by </a:t>
+            </a:r>
+          </a:p>
+          <a:p>
+            <a:r>
+              <a:rPr lang="en-CA" dirty="0"/>
+              <a:t>Minsung Kim</a:t>
+            </a:r>
           </a:p>
         </p:txBody>
       </p:sp>
@@ -23369,8 +23397,8 @@
           </a:p>
         </p:txBody>
       </p:sp>
-      <mc:AlternateContent xmlns:mc="http://schemas.openxmlformats.org/markup-compatibility/2006">
-        <mc:Choice xmlns:a14="http://schemas.microsoft.com/office/drawing/2010/main" Requires="a14">
+      <mc:AlternateContent xmlns:mc="http://schemas.openxmlformats.org/markup-compatibility/2006" xmlns:a14="http://schemas.microsoft.com/office/drawing/2010/main">
+        <mc:Choice Requires="a14">
           <p:sp>
             <p:nvSpPr>
               <p:cNvPr id="6" name="TextBox 5">
@@ -23638,7 +23666,7 @@
             </p:txBody>
           </p:sp>
         </mc:Choice>
-        <mc:Fallback>
+        <mc:Fallback xmlns="">
           <p:sp>
             <p:nvSpPr>
               <p:cNvPr id="6" name="TextBox 5">
@@ -24131,8 +24159,8 @@
           </a:p>
         </p:txBody>
       </p:sp>
-      <mc:AlternateContent xmlns:mc="http://schemas.openxmlformats.org/markup-compatibility/2006">
-        <mc:Choice xmlns:p14="http://schemas.microsoft.com/office/powerpoint/2010/main" Requires="p14">
+      <mc:AlternateContent xmlns:mc="http://schemas.openxmlformats.org/markup-compatibility/2006" xmlns:p14="http://schemas.microsoft.com/office/powerpoint/2010/main">
+        <mc:Choice Requires="p14">
           <p:contentPart p14:bwMode="auto" r:id="rId3">
             <p14:nvContentPartPr>
               <p14:cNvPr id="6" name="Ink 5">
@@ -24151,7 +24179,7 @@
             </p14:xfrm>
           </p:contentPart>
         </mc:Choice>
-        <mc:Fallback>
+        <mc:Fallback xmlns="">
           <p:pic>
             <p:nvPicPr>
               <p:cNvPr id="6" name="Ink 5">
@@ -24182,8 +24210,8 @@
           </p:pic>
         </mc:Fallback>
       </mc:AlternateContent>
-      <mc:AlternateContent xmlns:mc="http://schemas.openxmlformats.org/markup-compatibility/2006">
-        <mc:Choice xmlns:p14="http://schemas.microsoft.com/office/powerpoint/2010/main" Requires="p14">
+      <mc:AlternateContent xmlns:mc="http://schemas.openxmlformats.org/markup-compatibility/2006" xmlns:p14="http://schemas.microsoft.com/office/powerpoint/2010/main">
+        <mc:Choice Requires="p14">
           <p:contentPart p14:bwMode="auto" r:id="rId5">
             <p14:nvContentPartPr>
               <p14:cNvPr id="7" name="Ink 6">
@@ -24202,7 +24230,7 @@
             </p14:xfrm>
           </p:contentPart>
         </mc:Choice>
-        <mc:Fallback>
+        <mc:Fallback xmlns="">
           <p:pic>
             <p:nvPicPr>
               <p:cNvPr id="7" name="Ink 6">
@@ -24233,8 +24261,8 @@
           </p:pic>
         </mc:Fallback>
       </mc:AlternateContent>
-      <mc:AlternateContent xmlns:mc="http://schemas.openxmlformats.org/markup-compatibility/2006">
-        <mc:Choice xmlns:p14="http://schemas.microsoft.com/office/powerpoint/2010/main" Requires="p14">
+      <mc:AlternateContent xmlns:mc="http://schemas.openxmlformats.org/markup-compatibility/2006" xmlns:p14="http://schemas.microsoft.com/office/powerpoint/2010/main">
+        <mc:Choice Requires="p14">
           <p:contentPart p14:bwMode="auto" r:id="rId7">
             <p14:nvContentPartPr>
               <p14:cNvPr id="8" name="Ink 7">
@@ -24253,7 +24281,7 @@
             </p14:xfrm>
           </p:contentPart>
         </mc:Choice>
-        <mc:Fallback>
+        <mc:Fallback xmlns="">
           <p:pic>
             <p:nvPicPr>
               <p:cNvPr id="8" name="Ink 7">
@@ -24284,8 +24312,8 @@
           </p:pic>
         </mc:Fallback>
       </mc:AlternateContent>
-      <mc:AlternateContent xmlns:mc="http://schemas.openxmlformats.org/markup-compatibility/2006">
-        <mc:Choice xmlns:p14="http://schemas.microsoft.com/office/powerpoint/2010/main" Requires="p14">
+      <mc:AlternateContent xmlns:mc="http://schemas.openxmlformats.org/markup-compatibility/2006" xmlns:p14="http://schemas.microsoft.com/office/powerpoint/2010/main">
+        <mc:Choice Requires="p14">
           <p:contentPart p14:bwMode="auto" r:id="rId9">
             <p14:nvContentPartPr>
               <p14:cNvPr id="9" name="Ink 8">
@@ -24304,7 +24332,7 @@
             </p14:xfrm>
           </p:contentPart>
         </mc:Choice>
-        <mc:Fallback>
+        <mc:Fallback xmlns="">
           <p:pic>
             <p:nvPicPr>
               <p:cNvPr id="9" name="Ink 8">
@@ -24335,8 +24363,8 @@
           </p:pic>
         </mc:Fallback>
       </mc:AlternateContent>
-      <mc:AlternateContent xmlns:mc="http://schemas.openxmlformats.org/markup-compatibility/2006">
-        <mc:Choice xmlns:p14="http://schemas.microsoft.com/office/powerpoint/2010/main" Requires="p14">
+      <mc:AlternateContent xmlns:mc="http://schemas.openxmlformats.org/markup-compatibility/2006" xmlns:p14="http://schemas.microsoft.com/office/powerpoint/2010/main">
+        <mc:Choice Requires="p14">
           <p:contentPart p14:bwMode="auto" r:id="rId11">
             <p14:nvContentPartPr>
               <p14:cNvPr id="10" name="Ink 9">
@@ -24355,7 +24383,7 @@
             </p14:xfrm>
           </p:contentPart>
         </mc:Choice>
-        <mc:Fallback>
+        <mc:Fallback xmlns="">
           <p:pic>
             <p:nvPicPr>
               <p:cNvPr id="10" name="Ink 9">
@@ -24639,8 +24667,8 @@
           </p:spPr>
         </p:pic>
       </p:grpSp>
-      <mc:AlternateContent xmlns:mc="http://schemas.openxmlformats.org/markup-compatibility/2006">
-        <mc:Choice xmlns:p14="http://schemas.microsoft.com/office/powerpoint/2010/main" Requires="p14">
+      <mc:AlternateContent xmlns:mc="http://schemas.openxmlformats.org/markup-compatibility/2006" xmlns:p14="http://schemas.microsoft.com/office/powerpoint/2010/main">
+        <mc:Choice Requires="p14">
           <p:contentPart p14:bwMode="auto" r:id="rId5">
             <p14:nvContentPartPr>
               <p14:cNvPr id="10" name="Ink 9">
@@ -24659,7 +24687,7 @@
             </p14:xfrm>
           </p:contentPart>
         </mc:Choice>
-        <mc:Fallback>
+        <mc:Fallback xmlns="">
           <p:pic>
             <p:nvPicPr>
               <p:cNvPr id="10" name="Ink 9">
@@ -25888,7 +25916,7 @@
             </a:r>
             <a:r>
               <a:rPr lang="en-CA" b="1" dirty="0"/>
-              <a:t>increase in employee engagement will strongly enhance performance</a:t>
+              <a:t>increase in employee engagement strongly enhance performance</a:t>
             </a:r>
             <a:r>
               <a:rPr lang="en-CA" dirty="0"/>
@@ -25907,7 +25935,7 @@
             </a:pPr>
             <a:r>
               <a:rPr lang="en-CA" dirty="0"/>
-              <a:t>Absence will have virtually </a:t>
+              <a:t>Absence have virtually </a:t>
             </a:r>
             <a:r>
               <a:rPr lang="en-CA" b="1" dirty="0"/>
@@ -27556,8 +27584,8 @@
           </a:graphicData>
         </a:graphic>
       </p:graphicFrame>
-      <mc:AlternateContent xmlns:mc="http://schemas.openxmlformats.org/markup-compatibility/2006">
-        <mc:Choice xmlns:p14="http://schemas.microsoft.com/office/powerpoint/2010/main" Requires="p14">
+      <mc:AlternateContent xmlns:mc="http://schemas.openxmlformats.org/markup-compatibility/2006" xmlns:p14="http://schemas.microsoft.com/office/powerpoint/2010/main">
+        <mc:Choice Requires="p14">
           <p:contentPart p14:bwMode="auto" r:id="rId4">
             <p14:nvContentPartPr>
               <p14:cNvPr id="4" name="Ink 3">
@@ -27576,7 +27604,7 @@
             </p14:xfrm>
           </p:contentPart>
         </mc:Choice>
-        <mc:Fallback>
+        <mc:Fallback xmlns="">
           <p:pic>
             <p:nvPicPr>
               <p:cNvPr id="4" name="Ink 3">
@@ -27984,7 +28012,7 @@
           <p:nvPr>
             <p:extLst>
               <p:ext uri="{D42A27DB-BD31-4B8C-83A1-F6EECF244321}">
-                <p14:modId xmlns:p14="http://schemas.microsoft.com/office/powerpoint/2010/main" val="2291880446"/>
+                <p14:modId xmlns:p14="http://schemas.microsoft.com/office/powerpoint/2010/main" val="3119110621"/>
               </p:ext>
             </p:extLst>
           </p:nvPr>

--- a/2025-09-13/Identifying Patterns of Employee Performance.pptx
+++ b/2025-09-13/Identifying Patterns of Employee Performance.pptx
@@ -8064,15 +8064,7 @@
         <a:p>
           <a:r>
             <a:rPr lang="en-CA" dirty="0"/>
-            <a:t>Test the model using training </a:t>
-          </a:r>
-          <a:r>
-            <a:rPr lang="en-CA"/>
-            <a:t>and testing </a:t>
-          </a:r>
-          <a:r>
-            <a:rPr lang="en-CA" dirty="0"/>
-            <a:t>data </a:t>
+            <a:t>Test the model using training and testing data </a:t>
           </a:r>
           <a:endParaRPr lang="en-US" dirty="0"/>
         </a:p>
@@ -8754,15 +8746,7 @@
           </a:pPr>
           <a:r>
             <a:rPr lang="en-CA" sz="4000" kern="1200" dirty="0"/>
-            <a:t>Test the model using training </a:t>
-          </a:r>
-          <a:r>
-            <a:rPr lang="en-CA" sz="4000" kern="1200"/>
-            <a:t>and testing </a:t>
-          </a:r>
-          <a:r>
-            <a:rPr lang="en-CA" sz="4000" kern="1200" dirty="0"/>
-            <a:t>data </a:t>
+            <a:t>Test the model using training and testing data </a:t>
           </a:r>
           <a:endParaRPr lang="en-US" sz="4000" kern="1200" dirty="0"/>
         </a:p>

--- a/2025-09-13/Identifying Patterns of Employee Performance.pptx
+++ b/2025-09-13/Identifying Patterns of Employee Performance.pptx
@@ -11988,7 +11988,7 @@
           <a:p>
             <a:fld id="{CE6CB16A-CA2E-4C6A-9FE2-E647B82823FE}" type="datetimeFigureOut">
               <a:rPr lang="en-CA" smtClean="0"/>
-              <a:t>2025-09-21</a:t>
+              <a:t>2025-09-22</a:t>
             </a:fld>
             <a:endParaRPr lang="en-CA"/>
           </a:p>
@@ -14678,7 +14678,7 @@
           <a:p>
             <a:fld id="{A37A7E16-B735-4BCF-A3C0-B4D8575DFF96}" type="datetimeFigureOut">
               <a:rPr lang="en-CA" smtClean="0"/>
-              <a:t>2025-09-21</a:t>
+              <a:t>2025-09-22</a:t>
             </a:fld>
             <a:endParaRPr lang="en-CA"/>
           </a:p>
@@ -14878,7 +14878,7 @@
           <a:p>
             <a:fld id="{A37A7E16-B735-4BCF-A3C0-B4D8575DFF96}" type="datetimeFigureOut">
               <a:rPr lang="en-CA" smtClean="0"/>
-              <a:t>2025-09-21</a:t>
+              <a:t>2025-09-22</a:t>
             </a:fld>
             <a:endParaRPr lang="en-CA"/>
           </a:p>
@@ -15088,7 +15088,7 @@
           <a:p>
             <a:fld id="{A37A7E16-B735-4BCF-A3C0-B4D8575DFF96}" type="datetimeFigureOut">
               <a:rPr lang="en-CA" smtClean="0"/>
-              <a:t>2025-09-21</a:t>
+              <a:t>2025-09-22</a:t>
             </a:fld>
             <a:endParaRPr lang="en-CA"/>
           </a:p>
@@ -15288,7 +15288,7 @@
           <a:p>
             <a:fld id="{A37A7E16-B735-4BCF-A3C0-B4D8575DFF96}" type="datetimeFigureOut">
               <a:rPr lang="en-CA" smtClean="0"/>
-              <a:t>2025-09-21</a:t>
+              <a:t>2025-09-22</a:t>
             </a:fld>
             <a:endParaRPr lang="en-CA"/>
           </a:p>
@@ -15564,7 +15564,7 @@
           <a:p>
             <a:fld id="{A37A7E16-B735-4BCF-A3C0-B4D8575DFF96}" type="datetimeFigureOut">
               <a:rPr lang="en-CA" smtClean="0"/>
-              <a:t>2025-09-21</a:t>
+              <a:t>2025-09-22</a:t>
             </a:fld>
             <a:endParaRPr lang="en-CA"/>
           </a:p>
@@ -15832,7 +15832,7 @@
           <a:p>
             <a:fld id="{A37A7E16-B735-4BCF-A3C0-B4D8575DFF96}" type="datetimeFigureOut">
               <a:rPr lang="en-CA" smtClean="0"/>
-              <a:t>2025-09-21</a:t>
+              <a:t>2025-09-22</a:t>
             </a:fld>
             <a:endParaRPr lang="en-CA"/>
           </a:p>
@@ -16247,7 +16247,7 @@
           <a:p>
             <a:fld id="{A37A7E16-B735-4BCF-A3C0-B4D8575DFF96}" type="datetimeFigureOut">
               <a:rPr lang="en-CA" smtClean="0"/>
-              <a:t>2025-09-21</a:t>
+              <a:t>2025-09-22</a:t>
             </a:fld>
             <a:endParaRPr lang="en-CA"/>
           </a:p>
@@ -16389,7 +16389,7 @@
           <a:p>
             <a:fld id="{A37A7E16-B735-4BCF-A3C0-B4D8575DFF96}" type="datetimeFigureOut">
               <a:rPr lang="en-CA" smtClean="0"/>
-              <a:t>2025-09-21</a:t>
+              <a:t>2025-09-22</a:t>
             </a:fld>
             <a:endParaRPr lang="en-CA"/>
           </a:p>
@@ -16502,7 +16502,7 @@
           <a:p>
             <a:fld id="{A37A7E16-B735-4BCF-A3C0-B4D8575DFF96}" type="datetimeFigureOut">
               <a:rPr lang="en-CA" smtClean="0"/>
-              <a:t>2025-09-21</a:t>
+              <a:t>2025-09-22</a:t>
             </a:fld>
             <a:endParaRPr lang="en-CA"/>
           </a:p>
@@ -16815,7 +16815,7 @@
           <a:p>
             <a:fld id="{A37A7E16-B735-4BCF-A3C0-B4D8575DFF96}" type="datetimeFigureOut">
               <a:rPr lang="en-CA" smtClean="0"/>
-              <a:t>2025-09-21</a:t>
+              <a:t>2025-09-22</a:t>
             </a:fld>
             <a:endParaRPr lang="en-CA"/>
           </a:p>
@@ -17104,7 +17104,7 @@
           <a:p>
             <a:fld id="{A37A7E16-B735-4BCF-A3C0-B4D8575DFF96}" type="datetimeFigureOut">
               <a:rPr lang="en-CA" smtClean="0"/>
-              <a:t>2025-09-21</a:t>
+              <a:t>2025-09-22</a:t>
             </a:fld>
             <a:endParaRPr lang="en-CA"/>
           </a:p>
@@ -17347,7 +17347,7 @@
           <a:p>
             <a:fld id="{A37A7E16-B735-4BCF-A3C0-B4D8575DFF96}" type="datetimeFigureOut">
               <a:rPr lang="en-CA" smtClean="0"/>
-              <a:t>2025-09-21</a:t>
+              <a:t>2025-09-22</a:t>
             </a:fld>
             <a:endParaRPr lang="en-CA"/>
           </a:p>
@@ -28292,11 +28292,7 @@
           <a:lstStyle/>
           <a:p>
             <a:r>
-              <a:rPr lang="en-CA" sz="3600" dirty="0">
-                <a:solidFill>
-                  <a:schemeClr val="tx2"/>
-                </a:solidFill>
-              </a:rPr>
+              <a:rPr lang="en-CA" dirty="0"/>
               <a:t>Patterns of Employee Performance</a:t>
             </a:r>
           </a:p>
